--- a/PPT/09 Intent的使用.pptx
+++ b/PPT/09 Intent的使用.pptx
@@ -5073,7 +5073,7 @@
               <a:defRPr/>
             </a:pPr>
             <a:r>
-              <a:rPr lang="en-US" altLang="zh-CN" sz="3200" b="1">
+              <a:rPr lang="en-US" altLang="zh-CN" sz="3200" b="1" dirty="0">
                 <a:solidFill>
                   <a:schemeClr val="tx1">
                     <a:lumMod val="85000"/>
@@ -5085,7 +5085,7 @@
               <a:t>- </a:t>
             </a:r>
             <a:r>
-              <a:rPr lang="en-US" altLang="zh-CN" sz="3200" b="1">
+              <a:rPr lang="en-US" altLang="zh-CN" sz="3200" b="1" dirty="0" err="1">
                 <a:solidFill>
                   <a:srgbClr val="C00000"/>
                 </a:solidFill>
@@ -5094,7 +5094,7 @@
               <a:t>ComponentName</a:t>
             </a:r>
             <a:r>
-              <a:rPr lang="en-US" altLang="zh-CN" sz="3200" b="1">
+              <a:rPr lang="en-US" altLang="zh-CN" sz="3200" b="1" dirty="0">
                 <a:solidFill>
                   <a:schemeClr val="tx1">
                     <a:lumMod val="85000"/>
@@ -5103,7 +5103,31 @@
                 </a:solidFill>
                 <a:latin typeface="Consolas" panose="020B0609020204030204" pitchFamily="49" charset="0"/>
               </a:rPr>
-              <a:t>(String pkg, String cls)</a:t>
+              <a:t>(String pkg, String </a:t>
+            </a:r>
+            <a:r>
+              <a:rPr lang="en-US" altLang="zh-CN" sz="3200" b="1" dirty="0" err="1">
+                <a:solidFill>
+                  <a:schemeClr val="tx1">
+                    <a:lumMod val="85000"/>
+                    <a:lumOff val="15000"/>
+                  </a:schemeClr>
+                </a:solidFill>
+                <a:latin typeface="Consolas" panose="020B0609020204030204" pitchFamily="49" charset="0"/>
+              </a:rPr>
+              <a:t>cls</a:t>
+            </a:r>
+            <a:r>
+              <a:rPr lang="en-US" altLang="zh-CN" sz="3200" b="1" dirty="0">
+                <a:solidFill>
+                  <a:schemeClr val="tx1">
+                    <a:lumMod val="85000"/>
+                    <a:lumOff val="15000"/>
+                  </a:schemeClr>
+                </a:solidFill>
+                <a:latin typeface="Consolas" panose="020B0609020204030204" pitchFamily="49" charset="0"/>
+              </a:rPr>
+              <a:t>)</a:t>
             </a:r>
           </a:p>
           <a:p>
@@ -5111,7 +5135,7 @@
               <a:defRPr/>
             </a:pPr>
             <a:r>
-              <a:rPr lang="en-US" altLang="zh-CN" sz="3200" b="1">
+              <a:rPr lang="en-US" altLang="zh-CN" sz="3200" b="1" dirty="0">
                 <a:solidFill>
                   <a:schemeClr val="tx1">
                     <a:lumMod val="85000"/>
@@ -5123,7 +5147,7 @@
               <a:t>- </a:t>
             </a:r>
             <a:r>
-              <a:rPr lang="en-US" altLang="zh-CN" sz="3200" b="1">
+              <a:rPr lang="en-US" altLang="zh-CN" sz="3200" b="1" dirty="0" err="1">
                 <a:solidFill>
                   <a:srgbClr val="C00000"/>
                 </a:solidFill>
@@ -5132,7 +5156,7 @@
               <a:t>ComponentName</a:t>
             </a:r>
             <a:r>
-              <a:rPr lang="en-US" altLang="zh-CN" sz="3200" b="1">
+              <a:rPr lang="en-US" altLang="zh-CN" sz="3200" b="1" dirty="0">
                 <a:solidFill>
                   <a:schemeClr val="tx1">
                     <a:lumMod val="85000"/>
@@ -5141,7 +5165,31 @@
                 </a:solidFill>
                 <a:latin typeface="Consolas" panose="020B0609020204030204" pitchFamily="49" charset="0"/>
               </a:rPr>
-              <a:t>(Context pkg, String cls)</a:t>
+              <a:t>(Context pkg, String </a:t>
+            </a:r>
+            <a:r>
+              <a:rPr lang="en-US" altLang="zh-CN" sz="3200" b="1" dirty="0" err="1">
+                <a:solidFill>
+                  <a:schemeClr val="tx1">
+                    <a:lumMod val="85000"/>
+                    <a:lumOff val="15000"/>
+                  </a:schemeClr>
+                </a:solidFill>
+                <a:latin typeface="Consolas" panose="020B0609020204030204" pitchFamily="49" charset="0"/>
+              </a:rPr>
+              <a:t>cls</a:t>
+            </a:r>
+            <a:r>
+              <a:rPr lang="en-US" altLang="zh-CN" sz="3200" b="1" dirty="0">
+                <a:solidFill>
+                  <a:schemeClr val="tx1">
+                    <a:lumMod val="85000"/>
+                    <a:lumOff val="15000"/>
+                  </a:schemeClr>
+                </a:solidFill>
+                <a:latin typeface="Consolas" panose="020B0609020204030204" pitchFamily="49" charset="0"/>
+              </a:rPr>
+              <a:t>)</a:t>
             </a:r>
           </a:p>
           <a:p>
@@ -5149,7 +5197,7 @@
               <a:defRPr/>
             </a:pPr>
             <a:r>
-              <a:rPr lang="en-US" altLang="zh-CN" sz="3200" b="1">
+              <a:rPr lang="en-US" altLang="zh-CN" sz="3200" b="1" dirty="0">
                 <a:solidFill>
                   <a:schemeClr val="tx1">
                     <a:lumMod val="85000"/>
@@ -5161,7 +5209,7 @@
               <a:t>- </a:t>
             </a:r>
             <a:r>
-              <a:rPr lang="en-US" altLang="zh-CN" sz="3200" b="1">
+              <a:rPr lang="en-US" altLang="zh-CN" sz="3200" b="1" dirty="0" err="1">
                 <a:solidFill>
                   <a:srgbClr val="C00000"/>
                 </a:solidFill>
@@ -5170,7 +5218,7 @@
               <a:t>ComponentName</a:t>
             </a:r>
             <a:r>
-              <a:rPr lang="en-US" altLang="zh-CN" sz="3200" b="1">
+              <a:rPr lang="en-US" altLang="zh-CN" sz="3200" b="1" dirty="0">
                 <a:solidFill>
                   <a:schemeClr val="tx1">
                     <a:lumMod val="85000"/>
@@ -5179,7 +5227,31 @@
                 </a:solidFill>
                 <a:latin typeface="Consolas" panose="020B0609020204030204" pitchFamily="49" charset="0"/>
               </a:rPr>
-              <a:t>(Context pkg, Class&lt;?&gt; cls)</a:t>
+              <a:t>(Context pkg, Class&lt;?&gt; </a:t>
+            </a:r>
+            <a:r>
+              <a:rPr lang="en-US" altLang="zh-CN" sz="3200" b="1" dirty="0" err="1">
+                <a:solidFill>
+                  <a:schemeClr val="tx1">
+                    <a:lumMod val="85000"/>
+                    <a:lumOff val="15000"/>
+                  </a:schemeClr>
+                </a:solidFill>
+                <a:latin typeface="Consolas" panose="020B0609020204030204" pitchFamily="49" charset="0"/>
+              </a:rPr>
+              <a:t>cls</a:t>
+            </a:r>
+            <a:r>
+              <a:rPr lang="en-US" altLang="zh-CN" sz="3200" b="1" dirty="0">
+                <a:solidFill>
+                  <a:schemeClr val="tx1">
+                    <a:lumMod val="85000"/>
+                    <a:lumOff val="15000"/>
+                  </a:schemeClr>
+                </a:solidFill>
+                <a:latin typeface="Consolas" panose="020B0609020204030204" pitchFamily="49" charset="0"/>
+              </a:rPr>
+              <a:t>)</a:t>
             </a:r>
           </a:p>
         </p:txBody>
@@ -9899,7 +9971,7 @@
               <a:defRPr/>
             </a:pPr>
             <a:r>
-              <a:rPr lang="en-US" altLang="zh-CN" sz="2400" b="1">
+              <a:rPr lang="en-US" altLang="zh-CN" sz="2400" b="1" dirty="0" err="1">
                 <a:solidFill>
                   <a:schemeClr val="tx1">
                     <a:lumMod val="85000"/>
@@ -9908,7 +9980,43 @@
                 </a:solidFill>
                 <a:latin typeface="Consolas" panose="020B0609020204030204" pitchFamily="49" charset="0"/>
               </a:rPr>
-              <a:t>intent.setAction(Intent.ACTION_VIEW);</a:t>
+              <a:t>intent.setAction</a:t>
+            </a:r>
+            <a:r>
+              <a:rPr lang="en-US" altLang="zh-CN" sz="2400" b="1" dirty="0">
+                <a:solidFill>
+                  <a:schemeClr val="tx1">
+                    <a:lumMod val="85000"/>
+                    <a:lumOff val="15000"/>
+                  </a:schemeClr>
+                </a:solidFill>
+                <a:latin typeface="Consolas" panose="020B0609020204030204" pitchFamily="49" charset="0"/>
+              </a:rPr>
+              <a:t>(</a:t>
+            </a:r>
+            <a:r>
+              <a:rPr lang="en-US" altLang="zh-CN" sz="2400" b="1" dirty="0" err="1">
+                <a:solidFill>
+                  <a:schemeClr val="tx1">
+                    <a:lumMod val="85000"/>
+                    <a:lumOff val="15000"/>
+                  </a:schemeClr>
+                </a:solidFill>
+                <a:latin typeface="Consolas" panose="020B0609020204030204" pitchFamily="49" charset="0"/>
+              </a:rPr>
+              <a:t>Intent.ACTION_VIEW</a:t>
+            </a:r>
+            <a:r>
+              <a:rPr lang="en-US" altLang="zh-CN" sz="2400" b="1" dirty="0">
+                <a:solidFill>
+                  <a:schemeClr val="tx1">
+                    <a:lumMod val="85000"/>
+                    <a:lumOff val="15000"/>
+                  </a:schemeClr>
+                </a:solidFill>
+                <a:latin typeface="Consolas" panose="020B0609020204030204" pitchFamily="49" charset="0"/>
+              </a:rPr>
+              <a:t>);</a:t>
             </a:r>
           </a:p>
           <a:p>
@@ -9916,7 +10024,7 @@
               <a:defRPr/>
             </a:pPr>
             <a:r>
-              <a:rPr lang="en-US" altLang="zh-CN" sz="2400" b="1">
+              <a:rPr lang="en-US" altLang="zh-CN" sz="2400" b="1" dirty="0">
                 <a:solidFill>
                   <a:schemeClr val="tx1">
                     <a:lumMod val="85000"/>
@@ -9925,7 +10033,31 @@
                 </a:solidFill>
                 <a:latin typeface="Consolas" panose="020B0609020204030204" pitchFamily="49" charset="0"/>
               </a:rPr>
-              <a:t>Uri data = Uri.parse("http://localhost:8080/index ");</a:t>
+              <a:t>Uri data = </a:t>
+            </a:r>
+            <a:r>
+              <a:rPr lang="en-US" altLang="zh-CN" sz="2400" b="1" dirty="0" err="1">
+                <a:solidFill>
+                  <a:schemeClr val="tx1">
+                    <a:lumMod val="85000"/>
+                    <a:lumOff val="15000"/>
+                  </a:schemeClr>
+                </a:solidFill>
+                <a:latin typeface="Consolas" panose="020B0609020204030204" pitchFamily="49" charset="0"/>
+              </a:rPr>
+              <a:t>Uri.parse</a:t>
+            </a:r>
+            <a:r>
+              <a:rPr lang="en-US" altLang="zh-CN" sz="2400" b="1" dirty="0">
+                <a:solidFill>
+                  <a:schemeClr val="tx1">
+                    <a:lumMod val="85000"/>
+                    <a:lumOff val="15000"/>
+                  </a:schemeClr>
+                </a:solidFill>
+                <a:latin typeface="Consolas" panose="020B0609020204030204" pitchFamily="49" charset="0"/>
+              </a:rPr>
+              <a:t>("http://localhost:8080/index ");</a:t>
             </a:r>
           </a:p>
           <a:p>
@@ -9933,7 +10065,7 @@
               <a:defRPr/>
             </a:pPr>
             <a:r>
-              <a:rPr lang="en-US" altLang="zh-CN" sz="2400" b="1">
+              <a:rPr lang="en-US" altLang="zh-CN" sz="2400" b="1" dirty="0" err="1">
                 <a:solidFill>
                   <a:schemeClr val="tx1">
                     <a:lumMod val="85000"/>
@@ -9942,7 +10074,19 @@
                 </a:solidFill>
                 <a:latin typeface="Consolas" panose="020B0609020204030204" pitchFamily="49" charset="0"/>
               </a:rPr>
-              <a:t>intent.setData(data);</a:t>
+              <a:t>intent.setData</a:t>
+            </a:r>
+            <a:r>
+              <a:rPr lang="en-US" altLang="zh-CN" sz="2400" b="1" dirty="0">
+                <a:solidFill>
+                  <a:schemeClr val="tx1">
+                    <a:lumMod val="85000"/>
+                    <a:lumOff val="15000"/>
+                  </a:schemeClr>
+                </a:solidFill>
+                <a:latin typeface="Consolas" panose="020B0609020204030204" pitchFamily="49" charset="0"/>
+              </a:rPr>
+              <a:t>(data);</a:t>
             </a:r>
           </a:p>
         </p:txBody>
@@ -16320,7 +16464,7 @@
         </p:nvSpPr>
         <p:spPr>
           <a:xfrm>
-            <a:off x="1576492" y="1700808"/>
+            <a:off x="1488149" y="1495557"/>
             <a:ext cx="9289032" cy="1728192"/>
           </a:xfrm>
           <a:prstGeom prst="rect">
@@ -18923,7 +19067,7 @@
               <a:defRPr/>
             </a:pPr>
             <a:r>
-              <a:rPr lang="en-US" altLang="zh-CN" sz="2800" b="1">
+              <a:rPr lang="en-US" altLang="zh-CN" sz="2800" b="1" dirty="0">
                 <a:solidFill>
                   <a:schemeClr val="tx1">
                     <a:lumMod val="85000"/>
@@ -18932,7 +19076,31 @@
                 </a:solidFill>
                 <a:latin typeface="Consolas" panose="020B0609020204030204" pitchFamily="49" charset="0"/>
               </a:rPr>
-              <a:t>Intent i = new Intent();</a:t>
+              <a:t>Intent </a:t>
+            </a:r>
+            <a:r>
+              <a:rPr lang="en-US" altLang="zh-CN" sz="2800" b="1" dirty="0" err="1">
+                <a:solidFill>
+                  <a:schemeClr val="tx1">
+                    <a:lumMod val="85000"/>
+                    <a:lumOff val="15000"/>
+                  </a:schemeClr>
+                </a:solidFill>
+                <a:latin typeface="Consolas" panose="020B0609020204030204" pitchFamily="49" charset="0"/>
+              </a:rPr>
+              <a:t>i</a:t>
+            </a:r>
+            <a:r>
+              <a:rPr lang="en-US" altLang="zh-CN" sz="2800" b="1" dirty="0">
+                <a:solidFill>
+                  <a:schemeClr val="tx1">
+                    <a:lumMod val="85000"/>
+                    <a:lumOff val="15000"/>
+                  </a:schemeClr>
+                </a:solidFill>
+                <a:latin typeface="Consolas" panose="020B0609020204030204" pitchFamily="49" charset="0"/>
+              </a:rPr>
+              <a:t> = new Intent();</a:t>
             </a:r>
           </a:p>
           <a:p>
@@ -18940,7 +19108,7 @@
               <a:defRPr/>
             </a:pPr>
             <a:r>
-              <a:rPr lang="en-US" altLang="zh-CN" sz="2800" b="1">
+              <a:rPr lang="en-US" altLang="zh-CN" sz="2800" b="1" dirty="0" err="1">
                 <a:solidFill>
                   <a:schemeClr val="tx1">
                     <a:lumMod val="85000"/>
@@ -18949,10 +19117,22 @@
                 </a:solidFill>
                 <a:latin typeface="Consolas" panose="020B0609020204030204" pitchFamily="49" charset="0"/>
               </a:rPr>
-              <a:t>i.setAction(</a:t>
-            </a:r>
-            <a:r>
-              <a:rPr lang="en-US" altLang="zh-CN" sz="2800" b="1">
+              <a:t>i.setAction</a:t>
+            </a:r>
+            <a:r>
+              <a:rPr lang="en-US" altLang="zh-CN" sz="2800" b="1" dirty="0">
+                <a:solidFill>
+                  <a:schemeClr val="tx1">
+                    <a:lumMod val="85000"/>
+                    <a:lumOff val="15000"/>
+                  </a:schemeClr>
+                </a:solidFill>
+                <a:latin typeface="Consolas" panose="020B0609020204030204" pitchFamily="49" charset="0"/>
+              </a:rPr>
+              <a:t>(</a:t>
+            </a:r>
+            <a:r>
+              <a:rPr lang="en-US" altLang="zh-CN" sz="2800" b="1" dirty="0" err="1">
                 <a:solidFill>
                   <a:srgbClr val="C00000"/>
                 </a:solidFill>
@@ -18961,7 +19141,7 @@
               <a:t>Intent.ACTION_SENDTO</a:t>
             </a:r>
             <a:r>
-              <a:rPr lang="en-US" altLang="zh-CN" sz="2800" b="1">
+              <a:rPr lang="en-US" altLang="zh-CN" sz="2800" b="1" dirty="0">
                 <a:solidFill>
                   <a:schemeClr val="tx1">
                     <a:lumMod val="85000"/>
@@ -18978,7 +19158,7 @@
               <a:defRPr/>
             </a:pPr>
             <a:r>
-              <a:rPr lang="en-US" altLang="zh-CN" sz="2800" b="1">
+              <a:rPr lang="en-US" altLang="zh-CN" sz="2800" b="1" dirty="0" err="1">
                 <a:solidFill>
                   <a:schemeClr val="tx1">
                     <a:lumMod val="85000"/>
@@ -18987,16 +19167,37 @@
                 </a:solidFill>
                 <a:latin typeface="Consolas" panose="020B0609020204030204" pitchFamily="49" charset="0"/>
               </a:rPr>
-              <a:t>i.setData(</a:t>
-            </a:r>
-            <a:r>
-              <a:rPr lang="en-US" altLang="zh-CN" sz="2800" b="1">
+              <a:t>i.setData</a:t>
+            </a:r>
+            <a:r>
+              <a:rPr lang="en-US" altLang="zh-CN" sz="2800" b="1" dirty="0">
+                <a:solidFill>
+                  <a:schemeClr val="tx1">
+                    <a:lumMod val="85000"/>
+                    <a:lumOff val="15000"/>
+                  </a:schemeClr>
+                </a:solidFill>
+                <a:latin typeface="Consolas" panose="020B0609020204030204" pitchFamily="49" charset="0"/>
+              </a:rPr>
+              <a:t>(</a:t>
+            </a:r>
+            <a:r>
+              <a:rPr lang="en-US" altLang="zh-CN" sz="2800" b="1" dirty="0" err="1">
                 <a:solidFill>
                   <a:srgbClr val="C00000"/>
                 </a:solidFill>
                 <a:latin typeface="Consolas" panose="020B0609020204030204" pitchFamily="49" charset="0"/>
               </a:rPr>
-              <a:t>Uri.parse("smsto:10086"));</a:t>
+              <a:t>Uri.parse</a:t>
+            </a:r>
+            <a:r>
+              <a:rPr lang="en-US" altLang="zh-CN" sz="2800" b="1" dirty="0">
+                <a:solidFill>
+                  <a:srgbClr val="C00000"/>
+                </a:solidFill>
+                <a:latin typeface="Consolas" panose="020B0609020204030204" pitchFamily="49" charset="0"/>
+              </a:rPr>
+              <a:t>("smsto:10086"));</a:t>
             </a:r>
           </a:p>
           <a:p>
@@ -19004,7 +19205,7 @@
               <a:defRPr/>
             </a:pPr>
             <a:r>
-              <a:rPr lang="en-US" altLang="zh-CN" sz="2800" b="1">
+              <a:rPr lang="en-US" altLang="zh-CN" sz="2800" b="1" dirty="0" err="1">
                 <a:solidFill>
                   <a:schemeClr val="tx1">
                     <a:lumMod val="85000"/>
@@ -19013,31 +19214,61 @@
                 </a:solidFill>
                 <a:latin typeface="Consolas" panose="020B0609020204030204" pitchFamily="49" charset="0"/>
               </a:rPr>
-              <a:t>i.putExtra(</a:t>
-            </a:r>
-            <a:r>
-              <a:rPr lang="en-US" altLang="zh-CN" sz="2800" b="1">
+              <a:t>i.putExtra</a:t>
+            </a:r>
+            <a:r>
+              <a:rPr lang="en-US" altLang="zh-CN" sz="2800" b="1" dirty="0">
+                <a:solidFill>
+                  <a:schemeClr val="tx1">
+                    <a:lumMod val="85000"/>
+                    <a:lumOff val="15000"/>
+                  </a:schemeClr>
+                </a:solidFill>
+                <a:latin typeface="Consolas" panose="020B0609020204030204" pitchFamily="49" charset="0"/>
+              </a:rPr>
+              <a:t>(</a:t>
+            </a:r>
+            <a:r>
+              <a:rPr lang="en-US" altLang="zh-CN" sz="2800" b="1" dirty="0">
                 <a:solidFill>
                   <a:srgbClr val="C00000"/>
                 </a:solidFill>
                 <a:latin typeface="Consolas" panose="020B0609020204030204" pitchFamily="49" charset="0"/>
               </a:rPr>
-              <a:t>"sms_body"</a:t>
-            </a:r>
-            <a:r>
-              <a:rPr lang="en-US" altLang="zh-CN" sz="2800" b="1">
-                <a:solidFill>
-                  <a:schemeClr val="tx1">
-                    <a:lumMod val="85000"/>
-                    <a:lumOff val="15000"/>
-                  </a:schemeClr>
+              <a:t>"</a:t>
+            </a:r>
+            <a:r>
+              <a:rPr lang="en-US" altLang="zh-CN" sz="2800" b="1" dirty="0" err="1">
+                <a:solidFill>
+                  <a:srgbClr val="C00000"/>
                 </a:solidFill>
                 <a:latin typeface="Consolas" panose="020B0609020204030204" pitchFamily="49" charset="0"/>
               </a:rPr>
+              <a:t>sms_body</a:t>
+            </a:r>
+            <a:r>
+              <a:rPr lang="en-US" altLang="zh-CN" sz="2800" b="1" dirty="0">
+                <a:solidFill>
+                  <a:srgbClr val="C00000"/>
+                </a:solidFill>
+                <a:latin typeface="Consolas" panose="020B0609020204030204" pitchFamily="49" charset="0"/>
+              </a:rPr>
+              <a:t>"</a:t>
+            </a:r>
+            <a:r>
+              <a:rPr lang="en-US" altLang="zh-CN" sz="2800" b="1" dirty="0">
+                <a:solidFill>
+                  <a:schemeClr val="tx1">
+                    <a:lumMod val="85000"/>
+                    <a:lumOff val="15000"/>
+                  </a:schemeClr>
+                </a:solidFill>
+                <a:latin typeface="Consolas" panose="020B0609020204030204" pitchFamily="49" charset="0"/>
+              </a:rPr>
               <a:t>, "</a:t>
             </a:r>
             <a:r>
-              <a:rPr lang="zh-CN" altLang="en-US" sz="2800">
+              <a:rPr lang="zh-CN" altLang="en-US" sz="2800" dirty="0">
                 <a:solidFill>
                   <a:schemeClr val="tx1">
                     <a:lumMod val="85000"/>
@@ -19050,7 +19281,7 @@
               <a:t>短信内容</a:t>
             </a:r>
             <a:r>
-              <a:rPr lang="en-US" altLang="zh-CN" sz="2800" b="1">
+              <a:rPr lang="en-US" altLang="zh-CN" sz="2800" b="1" dirty="0">
                 <a:solidFill>
                   <a:schemeClr val="tx1">
                     <a:lumMod val="85000"/>
@@ -19067,7 +19298,7 @@
               <a:defRPr/>
             </a:pPr>
             <a:r>
-              <a:rPr lang="en-US" altLang="zh-CN" sz="2800" b="1">
+              <a:rPr lang="en-US" altLang="zh-CN" sz="2800" b="1" dirty="0" err="1">
                 <a:solidFill>
                   <a:schemeClr val="tx1">
                     <a:lumMod val="85000"/>
@@ -19076,7 +19307,43 @@
                 </a:solidFill>
                 <a:latin typeface="Consolas" panose="020B0609020204030204" pitchFamily="49" charset="0"/>
               </a:rPr>
-              <a:t>startActivity( i );</a:t>
+              <a:t>startActivity</a:t>
+            </a:r>
+            <a:r>
+              <a:rPr lang="en-US" altLang="zh-CN" sz="2800" b="1" dirty="0">
+                <a:solidFill>
+                  <a:schemeClr val="tx1">
+                    <a:lumMod val="85000"/>
+                    <a:lumOff val="15000"/>
+                  </a:schemeClr>
+                </a:solidFill>
+                <a:latin typeface="Consolas" panose="020B0609020204030204" pitchFamily="49" charset="0"/>
+              </a:rPr>
+              <a:t>( </a:t>
+            </a:r>
+            <a:r>
+              <a:rPr lang="en-US" altLang="zh-CN" sz="2800" b="1" dirty="0" err="1">
+                <a:solidFill>
+                  <a:schemeClr val="tx1">
+                    <a:lumMod val="85000"/>
+                    <a:lumOff val="15000"/>
+                  </a:schemeClr>
+                </a:solidFill>
+                <a:latin typeface="Consolas" panose="020B0609020204030204" pitchFamily="49" charset="0"/>
+              </a:rPr>
+              <a:t>i</a:t>
+            </a:r>
+            <a:r>
+              <a:rPr lang="en-US" altLang="zh-CN" sz="2800" b="1" dirty="0">
+                <a:solidFill>
+                  <a:schemeClr val="tx1">
+                    <a:lumMod val="85000"/>
+                    <a:lumOff val="15000"/>
+                  </a:schemeClr>
+                </a:solidFill>
+                <a:latin typeface="Consolas" panose="020B0609020204030204" pitchFamily="49" charset="0"/>
+              </a:rPr>
+              <a:t> );</a:t>
             </a:r>
           </a:p>
         </p:txBody>
@@ -20977,7 +21244,7 @@
               <a:buNone/>
             </a:pPr>
             <a:r>
-              <a:rPr lang="en-US" altLang="zh-CN">
+              <a:rPr lang="en-US" altLang="zh-CN" dirty="0">
                 <a:hlinkClick r:id="rId2"/>
               </a:rPr>
               <a:t>https://www.cnblogs.com/JLZT1223/p/6796413.html</a:t>
@@ -25055,7 +25322,7 @@
         </p:nvSpPr>
         <p:spPr>
           <a:xfrm>
-            <a:off x="767408" y="1600201"/>
+            <a:off x="767408" y="1105153"/>
             <a:ext cx="10814992" cy="4781127"/>
           </a:xfrm>
         </p:spPr>
